--- a/4주차/4.4 신지혜 발표자료.pptx
+++ b/4주차/4.4 신지혜 발표자료.pptx
@@ -9827,8 +9827,230 @@
         </p:blipFill>
         <p:spPr>
           <a:xfrm>
-            <a:off x="2644875" y="1662458"/>
+            <a:off x="1268836" y="1680213"/>
             <a:ext cx="6902249" cy="4408699"/>
+          </a:xfrm>
+          <a:prstGeom prst="rect">
+            <a:avLst/>
+          </a:prstGeom>
+        </p:spPr>
+      </p:pic>
+      <p:pic>
+        <p:nvPicPr>
+          <p:cNvPr id="4" name="그림 3">
+            <a:extLst>
+              <a:ext uri="{FF2B5EF4-FFF2-40B4-BE49-F238E27FC236}">
+                <a16:creationId xmlns:a16="http://schemas.microsoft.com/office/drawing/2014/main" id="{A6FA7F29-2E2E-456C-B350-39AD0DB575C8}"/>
+              </a:ext>
+            </a:extLst>
+          </p:cNvPr>
+          <p:cNvPicPr>
+            <a:picLocks noChangeAspect="1"/>
+          </p:cNvPicPr>
+          <p:nvPr/>
+        </p:nvPicPr>
+        <p:blipFill>
+          <a:blip r:embed="rId3"/>
+          <a:stretch>
+            <a:fillRect/>
+          </a:stretch>
+        </p:blipFill>
+        <p:spPr>
+          <a:xfrm>
+            <a:off x="6715772" y="1680213"/>
+            <a:ext cx="4500000" cy="1540541"/>
+          </a:xfrm>
+          <a:prstGeom prst="rect">
+            <a:avLst/>
+          </a:prstGeom>
+        </p:spPr>
+      </p:pic>
+      <p:sp>
+        <p:nvSpPr>
+          <p:cNvPr id="6" name="직사각형 5">
+            <a:extLst>
+              <a:ext uri="{FF2B5EF4-FFF2-40B4-BE49-F238E27FC236}">
+                <a16:creationId xmlns:a16="http://schemas.microsoft.com/office/drawing/2014/main" id="{C0318A94-A6AF-497E-AFE3-814BB51CF50C}"/>
+              </a:ext>
+            </a:extLst>
+          </p:cNvPr>
+          <p:cNvSpPr/>
+          <p:nvPr/>
+        </p:nvSpPr>
+        <p:spPr>
+          <a:xfrm>
+            <a:off x="1988598" y="4498316"/>
+            <a:ext cx="3453414" cy="1052575"/>
+          </a:xfrm>
+          <a:prstGeom prst="rect">
+            <a:avLst/>
+          </a:prstGeom>
+          <a:noFill/>
+          <a:ln w="28575">
+            <a:solidFill>
+              <a:schemeClr val="accent5">
+                <a:lumMod val="75000"/>
+              </a:schemeClr>
+            </a:solidFill>
+          </a:ln>
+        </p:spPr>
+        <p:style>
+          <a:lnRef idx="2">
+            <a:schemeClr val="accent1">
+              <a:shade val="50000"/>
+            </a:schemeClr>
+          </a:lnRef>
+          <a:fillRef idx="1">
+            <a:schemeClr val="accent1"/>
+          </a:fillRef>
+          <a:effectRef idx="0">
+            <a:schemeClr val="accent1"/>
+          </a:effectRef>
+          <a:fontRef idx="minor">
+            <a:schemeClr val="lt1"/>
+          </a:fontRef>
+        </p:style>
+        <p:txBody>
+          <a:bodyPr rtlCol="0" anchor="ctr"/>
+          <a:lstStyle/>
+          <a:p>
+            <a:pPr algn="ctr"/>
+            <a:endParaRPr lang="ko-KR" altLang="en-US" dirty="0"/>
+          </a:p>
+        </p:txBody>
+      </p:sp>
+      <p:sp>
+        <p:nvSpPr>
+          <p:cNvPr id="7" name="직사각형 6">
+            <a:extLst>
+              <a:ext uri="{FF2B5EF4-FFF2-40B4-BE49-F238E27FC236}">
+                <a16:creationId xmlns:a16="http://schemas.microsoft.com/office/drawing/2014/main" id="{36E7C58A-6654-4134-A444-DF05C4A5D920}"/>
+              </a:ext>
+            </a:extLst>
+          </p:cNvPr>
+          <p:cNvSpPr/>
+          <p:nvPr/>
+        </p:nvSpPr>
+        <p:spPr>
+          <a:xfrm>
+            <a:off x="6715772" y="1684040"/>
+            <a:ext cx="4035086" cy="1405389"/>
+          </a:xfrm>
+          <a:prstGeom prst="rect">
+            <a:avLst/>
+          </a:prstGeom>
+          <a:noFill/>
+          <a:ln w="28575">
+            <a:solidFill>
+              <a:schemeClr val="accent5">
+                <a:lumMod val="75000"/>
+              </a:schemeClr>
+            </a:solidFill>
+          </a:ln>
+        </p:spPr>
+        <p:style>
+          <a:lnRef idx="2">
+            <a:schemeClr val="accent1">
+              <a:shade val="50000"/>
+            </a:schemeClr>
+          </a:lnRef>
+          <a:fillRef idx="1">
+            <a:schemeClr val="accent1"/>
+          </a:fillRef>
+          <a:effectRef idx="0">
+            <a:schemeClr val="accent1"/>
+          </a:effectRef>
+          <a:fontRef idx="minor">
+            <a:schemeClr val="lt1"/>
+          </a:fontRef>
+        </p:style>
+        <p:txBody>
+          <a:bodyPr rtlCol="0" anchor="ctr"/>
+          <a:lstStyle/>
+          <a:p>
+            <a:pPr algn="ctr"/>
+            <a:endParaRPr lang="ko-KR" altLang="en-US" dirty="0"/>
+          </a:p>
+        </p:txBody>
+      </p:sp>
+      <p:sp>
+        <p:nvSpPr>
+          <p:cNvPr id="5" name="직사각형 4">
+            <a:extLst>
+              <a:ext uri="{FF2B5EF4-FFF2-40B4-BE49-F238E27FC236}">
+                <a16:creationId xmlns:a16="http://schemas.microsoft.com/office/drawing/2014/main" id="{54BE1A98-FAD9-40DA-ABD2-6C1E15EAED1F}"/>
+              </a:ext>
+            </a:extLst>
+          </p:cNvPr>
+          <p:cNvSpPr/>
+          <p:nvPr/>
+        </p:nvSpPr>
+        <p:spPr>
+          <a:xfrm>
+            <a:off x="648069" y="1491449"/>
+            <a:ext cx="11144435" cy="5184558"/>
+          </a:xfrm>
+          <a:prstGeom prst="rect">
+            <a:avLst/>
+          </a:prstGeom>
+          <a:solidFill>
+            <a:srgbClr val="FFFFFF">
+              <a:alpha val="69804"/>
+            </a:srgbClr>
+          </a:solidFill>
+          <a:ln>
+            <a:noFill/>
+          </a:ln>
+        </p:spPr>
+        <p:style>
+          <a:lnRef idx="2">
+            <a:schemeClr val="accent1">
+              <a:shade val="50000"/>
+            </a:schemeClr>
+          </a:lnRef>
+          <a:fillRef idx="1">
+            <a:schemeClr val="accent1"/>
+          </a:fillRef>
+          <a:effectRef idx="0">
+            <a:schemeClr val="accent1"/>
+          </a:effectRef>
+          <a:fontRef idx="minor">
+            <a:schemeClr val="lt1"/>
+          </a:fontRef>
+        </p:style>
+        <p:txBody>
+          <a:bodyPr rtlCol="0" anchor="ctr"/>
+          <a:lstStyle/>
+          <a:p>
+            <a:pPr algn="ctr"/>
+            <a:endParaRPr lang="ko-KR" altLang="en-US" dirty="0"/>
+          </a:p>
+        </p:txBody>
+      </p:sp>
+      <p:pic>
+        <p:nvPicPr>
+          <p:cNvPr id="3" name="그림 2">
+            <a:extLst>
+              <a:ext uri="{FF2B5EF4-FFF2-40B4-BE49-F238E27FC236}">
+                <a16:creationId xmlns:a16="http://schemas.microsoft.com/office/drawing/2014/main" id="{84199F17-BFDE-47D1-8DE4-D6B72DC6A617}"/>
+              </a:ext>
+            </a:extLst>
+          </p:cNvPr>
+          <p:cNvPicPr>
+            <a:picLocks noChangeAspect="1"/>
+          </p:cNvPicPr>
+          <p:nvPr/>
+        </p:nvPicPr>
+        <p:blipFill>
+          <a:blip r:embed="rId4"/>
+          <a:stretch>
+            <a:fillRect/>
+          </a:stretch>
+        </p:blipFill>
+        <p:spPr>
+          <a:xfrm>
+            <a:off x="648069" y="2902712"/>
+            <a:ext cx="11144435" cy="1052575"/>
           </a:xfrm>
           <a:prstGeom prst="rect">
             <a:avLst/>
@@ -9845,6 +10067,111 @@
   <p:clrMapOvr>
     <a:masterClrMapping/>
   </p:clrMapOvr>
+  <p:timing>
+    <p:tnLst>
+      <p:par>
+        <p:cTn id="1" dur="indefinite" restart="never" nodeType="tmRoot">
+          <p:childTnLst>
+            <p:seq concurrent="1" nextAc="seek">
+              <p:cTn id="2" dur="indefinite" nodeType="mainSeq">
+                <p:childTnLst>
+                  <p:par>
+                    <p:cTn id="3" fill="hold">
+                      <p:stCondLst>
+                        <p:cond delay="indefinite"/>
+                      </p:stCondLst>
+                      <p:childTnLst>
+                        <p:par>
+                          <p:cTn id="4" fill="hold">
+                            <p:stCondLst>
+                              <p:cond delay="0"/>
+                            </p:stCondLst>
+                            <p:childTnLst>
+                              <p:par>
+                                <p:cTn id="5" presetID="1" presetClass="entr" presetSubtype="0" fill="hold" nodeType="clickEffect">
+                                  <p:stCondLst>
+                                    <p:cond delay="0"/>
+                                  </p:stCondLst>
+                                  <p:childTnLst>
+                                    <p:set>
+                                      <p:cBhvr>
+                                        <p:cTn id="6" dur="1" fill="hold">
+                                          <p:stCondLst>
+                                            <p:cond delay="0"/>
+                                          </p:stCondLst>
+                                        </p:cTn>
+                                        <p:tgtEl>
+                                          <p:spTgt spid="3"/>
+                                        </p:tgtEl>
+                                        <p:attrNameLst>
+                                          <p:attrName>style.visibility</p:attrName>
+                                        </p:attrNameLst>
+                                      </p:cBhvr>
+                                      <p:to>
+                                        <p:strVal val="visible"/>
+                                      </p:to>
+                                    </p:set>
+                                  </p:childTnLst>
+                                </p:cTn>
+                              </p:par>
+                              <p:par>
+                                <p:cTn id="7" presetID="1" presetClass="entr" presetSubtype="0" fill="hold" grpId="0" nodeType="withEffect">
+                                  <p:stCondLst>
+                                    <p:cond delay="0"/>
+                                  </p:stCondLst>
+                                  <p:childTnLst>
+                                    <p:set>
+                                      <p:cBhvr>
+                                        <p:cTn id="8" dur="1" fill="hold">
+                                          <p:stCondLst>
+                                            <p:cond delay="0"/>
+                                          </p:stCondLst>
+                                        </p:cTn>
+                                        <p:tgtEl>
+                                          <p:spTgt spid="5"/>
+                                        </p:tgtEl>
+                                        <p:attrNameLst>
+                                          <p:attrName>style.visibility</p:attrName>
+                                        </p:attrNameLst>
+                                      </p:cBhvr>
+                                      <p:to>
+                                        <p:strVal val="visible"/>
+                                      </p:to>
+                                    </p:set>
+                                  </p:childTnLst>
+                                </p:cTn>
+                              </p:par>
+                            </p:childTnLst>
+                          </p:cTn>
+                        </p:par>
+                      </p:childTnLst>
+                    </p:cTn>
+                  </p:par>
+                </p:childTnLst>
+              </p:cTn>
+              <p:prevCondLst>
+                <p:cond evt="onPrev" delay="0">
+                  <p:tgtEl>
+                    <p:sldTgt/>
+                  </p:tgtEl>
+                </p:cond>
+              </p:prevCondLst>
+              <p:nextCondLst>
+                <p:cond evt="onNext" delay="0">
+                  <p:tgtEl>
+                    <p:sldTgt/>
+                  </p:tgtEl>
+                </p:cond>
+              </p:nextCondLst>
+            </p:seq>
+          </p:childTnLst>
+        </p:cTn>
+      </p:par>
+    </p:tnLst>
+    <p:bldLst>
+      <p:bldP spid="5" grpId="0" animBg="1"/>
+    </p:bldLst>
+  </p:timing>
 </p:sld>
 </file>
 
@@ -9887,8 +10214,38 @@
         </p:blipFill>
         <p:spPr>
           <a:xfrm>
-            <a:off x="2644875" y="1662458"/>
+            <a:off x="1224447" y="1662458"/>
             <a:ext cx="6909624" cy="4464000"/>
+          </a:xfrm>
+          <a:prstGeom prst="rect">
+            <a:avLst/>
+          </a:prstGeom>
+        </p:spPr>
+      </p:pic>
+      <p:pic>
+        <p:nvPicPr>
+          <p:cNvPr id="4" name="그림 3">
+            <a:extLst>
+              <a:ext uri="{FF2B5EF4-FFF2-40B4-BE49-F238E27FC236}">
+                <a16:creationId xmlns:a16="http://schemas.microsoft.com/office/drawing/2014/main" id="{E014EE59-DA27-46E1-96EE-5AA3F66A3B07}"/>
+              </a:ext>
+            </a:extLst>
+          </p:cNvPr>
+          <p:cNvPicPr>
+            <a:picLocks noChangeAspect="1"/>
+          </p:cNvPicPr>
+          <p:nvPr/>
+        </p:nvPicPr>
+        <p:blipFill>
+          <a:blip r:embed="rId3"/>
+          <a:stretch>
+            <a:fillRect/>
+          </a:stretch>
+        </p:blipFill>
+        <p:spPr>
+          <a:xfrm>
+            <a:off x="6706894" y="1680213"/>
+            <a:ext cx="4500000" cy="1540541"/>
           </a:xfrm>
           <a:prstGeom prst="rect">
             <a:avLst/>
@@ -9923,6 +10280,13 @@
           <a:ln>
             <a:noFill/>
           </a:ln>
+          <a:effectLst>
+            <a:outerShdw blurRad="50800" dist="38100" dir="2700000" algn="tl" rotWithShape="0">
+              <a:prstClr val="black">
+                <a:alpha val="40000"/>
+              </a:prstClr>
+            </a:outerShdw>
+          </a:effectLst>
         </p:spPr>
         <p:style>
           <a:lnRef idx="2">
@@ -10249,7 +10613,7 @@
         <p:spPr>
           <a:xfrm>
             <a:off x="1568367" y="1693888"/>
-            <a:ext cx="7724932" cy="2339102"/>
+            <a:ext cx="9386678" cy="2339102"/>
           </a:xfrm>
           <a:prstGeom prst="rect">
             <a:avLst/>
@@ -10313,14 +10677,14 @@
                 <a:latin typeface="나눔바른고딕 Light" panose="020B0603020101020101" pitchFamily="50" charset="-127"/>
                 <a:ea typeface="나눔바른고딕 Light" panose="020B0603020101020101" pitchFamily="50" charset="-127"/>
               </a:rPr>
-              <a:t>1. </a:t>
+              <a:t>1. Java</a:t>
             </a:r>
             <a:r>
               <a:rPr lang="ko-KR" altLang="en-US" sz="3200" dirty="0">
                 <a:latin typeface="나눔바른고딕 Light" panose="020B0603020101020101" pitchFamily="50" charset="-127"/>
                 <a:ea typeface="나눔바른고딕 Light" panose="020B0603020101020101" pitchFamily="50" charset="-127"/>
               </a:rPr>
-              <a:t>완벽한 함수형 프로그래밍인가</a:t>
+              <a:t>의 람다식이 완벽한 함수형 프로그래밍인가</a:t>
             </a:r>
             <a:r>
               <a:rPr lang="en-US" altLang="ko-KR" sz="3200" dirty="0">
@@ -10352,7 +10716,7 @@
                 <a:latin typeface="나눔바른고딕 Light" panose="020B0603020101020101" pitchFamily="50" charset="-127"/>
                 <a:ea typeface="나눔바른고딕 Light" panose="020B0603020101020101" pitchFamily="50" charset="-127"/>
               </a:rPr>
-              <a:t>새로 정의한 것이 아닌</a:t>
+              <a:t>완전히 새로 정의한 것이 아닌</a:t>
             </a:r>
             <a:r>
               <a:rPr lang="en-US" altLang="ko-KR" sz="2500" dirty="0">
@@ -10366,7 +10730,28 @@
                 <a:latin typeface="나눔바른고딕 Light" panose="020B0603020101020101" pitchFamily="50" charset="-127"/>
                 <a:ea typeface="나눔바른고딕 Light" panose="020B0603020101020101" pitchFamily="50" charset="-127"/>
               </a:rPr>
-              <a:t>기존의 인터페이스 형태를 가져왔다</a:t>
+              <a:t>기존의 </a:t>
+            </a:r>
+            <a:r>
+              <a:rPr lang="ko-KR" altLang="en-US" sz="2500" dirty="0">
+                <a:effectLst>
+                  <a:outerShdw blurRad="38100" dist="38100" dir="2700000" algn="tl">
+                    <a:srgbClr val="000000">
+                      <a:alpha val="43137"/>
+                    </a:srgbClr>
+                  </a:outerShdw>
+                </a:effectLst>
+                <a:latin typeface="나눔바른고딕 Light" panose="020B0603020101020101" pitchFamily="50" charset="-127"/>
+                <a:ea typeface="나눔바른고딕 Light" panose="020B0603020101020101" pitchFamily="50" charset="-127"/>
+              </a:rPr>
+              <a:t>인터페이스</a:t>
+            </a:r>
+            <a:r>
+              <a:rPr lang="ko-KR" altLang="en-US" sz="2500" dirty="0">
+                <a:latin typeface="나눔바른고딕 Light" panose="020B0603020101020101" pitchFamily="50" charset="-127"/>
+                <a:ea typeface="나눔바른고딕 Light" panose="020B0603020101020101" pitchFamily="50" charset="-127"/>
+              </a:rPr>
+              <a:t> 형태를 가져왔다</a:t>
             </a:r>
             <a:r>
               <a:rPr lang="en-US" altLang="ko-KR" sz="2500" dirty="0">
@@ -10703,6 +11088,85 @@
   <p:clrMapOvr>
     <a:masterClrMapping/>
   </p:clrMapOvr>
+  <p:timing>
+    <p:tnLst>
+      <p:par>
+        <p:cTn id="1" dur="indefinite" restart="never" nodeType="tmRoot">
+          <p:childTnLst>
+            <p:seq concurrent="1" nextAc="seek">
+              <p:cTn id="2" dur="indefinite" nodeType="mainSeq">
+                <p:childTnLst>
+                  <p:par>
+                    <p:cTn id="3" fill="hold">
+                      <p:stCondLst>
+                        <p:cond delay="indefinite"/>
+                      </p:stCondLst>
+                      <p:childTnLst>
+                        <p:par>
+                          <p:cTn id="4" fill="hold">
+                            <p:stCondLst>
+                              <p:cond delay="0"/>
+                            </p:stCondLst>
+                            <p:childTnLst>
+                              <p:par>
+                                <p:cTn id="5" presetID="1" presetClass="entr" presetSubtype="0" fill="hold" nodeType="clickEffect">
+                                  <p:stCondLst>
+                                    <p:cond delay="0"/>
+                                  </p:stCondLst>
+                                  <p:childTnLst>
+                                    <p:set>
+                                      <p:cBhvr>
+                                        <p:cTn id="6" dur="1" fill="hold">
+                                          <p:stCondLst>
+                                            <p:cond delay="0"/>
+                                          </p:stCondLst>
+                                        </p:cTn>
+                                        <p:tgtEl>
+                                          <p:spTgt spid="14">
+                                            <p:txEl>
+                                              <p:pRg st="9" end="9"/>
+                                            </p:txEl>
+                                          </p:spTgt>
+                                        </p:tgtEl>
+                                        <p:attrNameLst>
+                                          <p:attrName>style.visibility</p:attrName>
+                                        </p:attrNameLst>
+                                      </p:cBhvr>
+                                      <p:to>
+                                        <p:strVal val="visible"/>
+                                      </p:to>
+                                    </p:set>
+                                  </p:childTnLst>
+                                </p:cTn>
+                              </p:par>
+                            </p:childTnLst>
+                          </p:cTn>
+                        </p:par>
+                      </p:childTnLst>
+                    </p:cTn>
+                  </p:par>
+                </p:childTnLst>
+              </p:cTn>
+              <p:prevCondLst>
+                <p:cond evt="onPrev" delay="0">
+                  <p:tgtEl>
+                    <p:sldTgt/>
+                  </p:tgtEl>
+                </p:cond>
+              </p:prevCondLst>
+              <p:nextCondLst>
+                <p:cond evt="onNext" delay="0">
+                  <p:tgtEl>
+                    <p:sldTgt/>
+                  </p:tgtEl>
+                </p:cond>
+              </p:nextCondLst>
+            </p:seq>
+          </p:childTnLst>
+        </p:cTn>
+      </p:par>
+    </p:tnLst>
+  </p:timing>
 </p:sld>
 </file>
 
@@ -10811,6 +11275,58 @@
           </a:prstGeom>
         </p:spPr>
       </p:pic>
+      <p:sp>
+        <p:nvSpPr>
+          <p:cNvPr id="4" name="직사각형 3">
+            <a:extLst>
+              <a:ext uri="{FF2B5EF4-FFF2-40B4-BE49-F238E27FC236}">
+                <a16:creationId xmlns:a16="http://schemas.microsoft.com/office/drawing/2014/main" id="{A541944C-4393-4C0C-A4EB-9B916295E083}"/>
+              </a:ext>
+            </a:extLst>
+          </p:cNvPr>
+          <p:cNvSpPr/>
+          <p:nvPr/>
+        </p:nvSpPr>
+        <p:spPr>
+          <a:xfrm>
+            <a:off x="1447060" y="1402672"/>
+            <a:ext cx="3400148" cy="523783"/>
+          </a:xfrm>
+          <a:prstGeom prst="rect">
+            <a:avLst/>
+          </a:prstGeom>
+          <a:noFill/>
+          <a:ln w="76200">
+            <a:solidFill>
+              <a:srgbClr val="FF0000"/>
+            </a:solidFill>
+          </a:ln>
+        </p:spPr>
+        <p:style>
+          <a:lnRef idx="2">
+            <a:schemeClr val="accent1">
+              <a:shade val="50000"/>
+            </a:schemeClr>
+          </a:lnRef>
+          <a:fillRef idx="1">
+            <a:schemeClr val="accent1"/>
+          </a:fillRef>
+          <a:effectRef idx="0">
+            <a:schemeClr val="accent1"/>
+          </a:effectRef>
+          <a:fontRef idx="minor">
+            <a:schemeClr val="lt1"/>
+          </a:fontRef>
+        </p:style>
+        <p:txBody>
+          <a:bodyPr rtlCol="0" anchor="ctr"/>
+          <a:lstStyle/>
+          <a:p>
+            <a:pPr algn="ctr"/>
+            <a:endParaRPr lang="ko-KR" altLang="en-US" dirty="0"/>
+          </a:p>
+        </p:txBody>
+      </p:sp>
     </p:spTree>
     <p:extLst>
       <p:ext uri="{BB962C8B-B14F-4D97-AF65-F5344CB8AC3E}">

--- a/4주차/4.4 신지혜 발표자료.pptx
+++ b/4주차/4.4 신지혜 발표자료.pptx
@@ -7384,7 +7384,21 @@
                 <a:latin typeface="나눔바른고딕 Light" panose="020B0603020101020101" pitchFamily="50" charset="-127"/>
                 <a:ea typeface="나눔바른고딕 Light" panose="020B0603020101020101" pitchFamily="50" charset="-127"/>
               </a:rPr>
-              <a:t>을 받아 처리하고 출력은 하지 않는 형태의 인터페이스이다</a:t>
+              <a:t>을 받아 처리하고 </a:t>
+            </a:r>
+            <a:r>
+              <a:rPr lang="en-US" altLang="ko-KR" sz="2000" dirty="0">
+                <a:latin typeface="나눔바른고딕 Light" panose="020B0603020101020101" pitchFamily="50" charset="-127"/>
+                <a:ea typeface="나눔바른고딕 Light" panose="020B0603020101020101" pitchFamily="50" charset="-127"/>
+              </a:rPr>
+              <a:t>return</a:t>
+            </a:r>
+            <a:r>
+              <a:rPr lang="ko-KR" altLang="en-US" sz="2000" dirty="0">
+                <a:latin typeface="나눔바른고딕 Light" panose="020B0603020101020101" pitchFamily="50" charset="-127"/>
+                <a:ea typeface="나눔바른고딕 Light" panose="020B0603020101020101" pitchFamily="50" charset="-127"/>
+              </a:rPr>
+              <a:t>은 하지 않는 형태의 인터페이스이다</a:t>
             </a:r>
             <a:r>
               <a:rPr lang="en-US" altLang="ko-KR" sz="2000" dirty="0">
@@ -7746,6 +7760,59 @@
               <a:latin typeface="나눔바른고딕 Light" panose="020B0603020101020101" pitchFamily="50" charset="-127"/>
               <a:ea typeface="나눔바른고딕 Light" panose="020B0603020101020101" pitchFamily="50" charset="-127"/>
             </a:endParaRPr>
+          </a:p>
+        </p:txBody>
+      </p:sp>
+      <p:sp>
+        <p:nvSpPr>
+          <p:cNvPr id="6" name="TextBox 5">
+            <a:extLst>
+              <a:ext uri="{FF2B5EF4-FFF2-40B4-BE49-F238E27FC236}">
+                <a16:creationId xmlns:a16="http://schemas.microsoft.com/office/drawing/2014/main" id="{C7048B7C-6375-40D3-A6C5-1B49947AB597}"/>
+              </a:ext>
+            </a:extLst>
+          </p:cNvPr>
+          <p:cNvSpPr txBox="1"/>
+          <p:nvPr/>
+        </p:nvSpPr>
+        <p:spPr>
+          <a:xfrm>
+            <a:off x="642027" y="2979270"/>
+            <a:ext cx="11167671" cy="477054"/>
+          </a:xfrm>
+          <a:prstGeom prst="rect">
+            <a:avLst/>
+          </a:prstGeom>
+          <a:noFill/>
+        </p:spPr>
+        <p:txBody>
+          <a:bodyPr wrap="square" rtlCol="0">
+            <a:spAutoFit/>
+          </a:bodyPr>
+          <a:lstStyle/>
+          <a:p>
+            <a:pPr algn="ctr"/>
+            <a:r>
+              <a:rPr lang="ko-KR" altLang="en-US" sz="2500" i="1" dirty="0">
+                <a:latin typeface="나눔바른고딕 Light" panose="020B0603020101020101" pitchFamily="50" charset="-127"/>
+                <a:ea typeface="나눔바른고딕 Light" panose="020B0603020101020101" pitchFamily="50" charset="-127"/>
+              </a:rPr>
+              <a:t>연산의 결과를 </a:t>
+            </a:r>
+            <a:r>
+              <a:rPr lang="en-US" altLang="ko-KR" sz="2500" i="1" dirty="0">
+                <a:latin typeface="나눔바른고딕 Light" panose="020B0603020101020101" pitchFamily="50" charset="-127"/>
+                <a:ea typeface="나눔바른고딕 Light" panose="020B0603020101020101" pitchFamily="50" charset="-127"/>
+              </a:rPr>
+              <a:t>return</a:t>
+            </a:r>
+            <a:r>
+              <a:rPr lang="ko-KR" altLang="en-US" sz="2500" i="1" dirty="0">
+                <a:latin typeface="나눔바른고딕 Light" panose="020B0603020101020101" pitchFamily="50" charset="-127"/>
+                <a:ea typeface="나눔바른고딕 Light" panose="020B0603020101020101" pitchFamily="50" charset="-127"/>
+              </a:rPr>
+              <a:t>해주는 인터페이스 </a:t>
+            </a:r>
           </a:p>
         </p:txBody>
       </p:sp>
@@ -7924,14 +7991,21 @@
                 <a:latin typeface="나눔바른고딕 Light" panose="020B0603020101020101" pitchFamily="50" charset="-127"/>
                 <a:ea typeface="나눔바른고딕 Light" panose="020B0603020101020101" pitchFamily="50" charset="-127"/>
               </a:rPr>
-              <a:t>API</a:t>
+              <a:t>API:</a:t>
             </a:r>
             <a:r>
               <a:rPr lang="ko-KR" altLang="en-US" sz="3200" dirty="0">
                 <a:latin typeface="나눔바른고딕 Light" panose="020B0603020101020101" pitchFamily="50" charset="-127"/>
                 <a:ea typeface="나눔바른고딕 Light" panose="020B0603020101020101" pitchFamily="50" charset="-127"/>
               </a:rPr>
-              <a:t>는 </a:t>
+              <a:t> </a:t>
+            </a:r>
+            <a:r>
+              <a:rPr lang="en-US" altLang="ko-KR" sz="3200" dirty="0">
+                <a:latin typeface="나눔바른고딕 Light" panose="020B0603020101020101" pitchFamily="50" charset="-127"/>
+                <a:ea typeface="나눔바른고딕 Light" panose="020B0603020101020101" pitchFamily="50" charset="-127"/>
+              </a:rPr>
+              <a:t>“</a:t>
             </a:r>
             <a:r>
               <a:rPr lang="ko-KR" altLang="en-US" sz="3200" dirty="0" err="1">
@@ -7945,7 +8019,7 @@
                 <a:latin typeface="나눔바른고딕 Light" panose="020B0603020101020101" pitchFamily="50" charset="-127"/>
                 <a:ea typeface="나눔바른고딕 Light" panose="020B0603020101020101" pitchFamily="50" charset="-127"/>
               </a:rPr>
-              <a:t>.</a:t>
+              <a:t>”</a:t>
             </a:r>
           </a:p>
           <a:p>
@@ -8277,37 +8351,37 @@
                 <a:latin typeface="나눔바른고딕 Light" panose="020B0603020101020101" pitchFamily="50" charset="-127"/>
                 <a:ea typeface="나눔바른고딕 Light" panose="020B0603020101020101" pitchFamily="50" charset="-127"/>
               </a:rPr>
-              <a:t>배열과 인스턴스의 함수형 처리</a:t>
+              <a:t>컬렉션 클래스의 리스트</a:t>
             </a:r>
             <a:r>
               <a:rPr lang="en-US" altLang="ko-KR" sz="2200" dirty="0">
                 <a:latin typeface="나눔바른고딕 Light" panose="020B0603020101020101" pitchFamily="50" charset="-127"/>
                 <a:ea typeface="나눔바른고딕 Light" panose="020B0603020101020101" pitchFamily="50" charset="-127"/>
               </a:rPr>
-              <a:t>.</a:t>
-            </a:r>
-          </a:p>
-          <a:p>
+              <a:t>, </a:t>
+            </a:r>
             <a:r>
               <a:rPr lang="ko-KR" altLang="en-US" sz="2200" dirty="0">
                 <a:latin typeface="나눔바른고딕 Light" panose="020B0603020101020101" pitchFamily="50" charset="-127"/>
                 <a:ea typeface="나눔바른고딕 Light" panose="020B0603020101020101" pitchFamily="50" charset="-127"/>
               </a:rPr>
-              <a:t>데이터를 다루는데 사용되는 메소드들</a:t>
+              <a:t>배열 등을 핸들링 하기 위한 </a:t>
             </a:r>
             <a:r>
               <a:rPr lang="en-US" altLang="ko-KR" sz="2200" dirty="0">
                 <a:latin typeface="나눔바른고딕 Light" panose="020B0603020101020101" pitchFamily="50" charset="-127"/>
                 <a:ea typeface="나눔바른고딕 Light" panose="020B0603020101020101" pitchFamily="50" charset="-127"/>
               </a:rPr>
-              <a:t>. </a:t>
-            </a:r>
+              <a:t>API</a:t>
+            </a:r>
+          </a:p>
+          <a:p>
             <a:r>
               <a:rPr lang="ko-KR" altLang="en-US" sz="2200" dirty="0">
                 <a:latin typeface="나눔바른고딕 Light" panose="020B0603020101020101" pitchFamily="50" charset="-127"/>
                 <a:ea typeface="나눔바른고딕 Light" panose="020B0603020101020101" pitchFamily="50" charset="-127"/>
               </a:rPr>
-              <a:t>병렬 처리가 쉽다</a:t>
+              <a:t>직관적이고 간결한 코드를 작성할 수 있다</a:t>
             </a:r>
             <a:r>
               <a:rPr lang="en-US" altLang="ko-KR" sz="2200" dirty="0">
@@ -9347,7 +9421,7 @@
         <p:spPr>
           <a:xfrm>
             <a:off x="2233534" y="2151727"/>
-            <a:ext cx="7724932" cy="3046988"/>
+            <a:ext cx="7983486" cy="2554545"/>
           </a:xfrm>
           <a:prstGeom prst="rect">
             <a:avLst/>
@@ -9442,37 +9516,45 @@
                 <a:latin typeface="나눔바른고딕 Light" panose="020B0603020101020101" pitchFamily="50" charset="-127"/>
                 <a:ea typeface="나눔바른고딕 Light" panose="020B0603020101020101" pitchFamily="50" charset="-127"/>
               </a:rPr>
-              <a:t>”</a:t>
-            </a:r>
+              <a:t>” – </a:t>
+            </a:r>
+            <a:r>
+              <a:rPr lang="ko-KR" altLang="en-US" sz="3200" b="1" i="1" dirty="0">
+                <a:solidFill>
+                  <a:srgbClr val="FF0000"/>
+                </a:solidFill>
+                <a:effectLst>
+                  <a:outerShdw blurRad="38100" dist="38100" dir="2700000" algn="tl">
+                    <a:srgbClr val="000000">
+                      <a:alpha val="43137"/>
+                    </a:srgbClr>
+                  </a:outerShdw>
+                </a:effectLst>
+                <a:latin typeface="나눔바른고딕 Light" panose="020B0603020101020101" pitchFamily="50" charset="-127"/>
+                <a:ea typeface="나눔바른고딕 Light" panose="020B0603020101020101" pitchFamily="50" charset="-127"/>
+              </a:rPr>
+              <a:t>식별자 없이 실행 가능한 함수 표현식</a:t>
+            </a:r>
+            <a:endParaRPr lang="en-US" altLang="ko-KR" sz="3200" b="1" i="1" dirty="0">
+              <a:solidFill>
+                <a:srgbClr val="FF0000"/>
+              </a:solidFill>
+              <a:effectLst>
+                <a:outerShdw blurRad="38100" dist="38100" dir="2700000" algn="tl">
+                  <a:srgbClr val="000000">
+                    <a:alpha val="43137"/>
+                  </a:srgbClr>
+                </a:outerShdw>
+              </a:effectLst>
+              <a:latin typeface="나눔바른고딕 Light" panose="020B0603020101020101" pitchFamily="50" charset="-127"/>
+              <a:ea typeface="나눔바른고딕 Light" panose="020B0603020101020101" pitchFamily="50" charset="-127"/>
+            </a:endParaRPr>
           </a:p>
           <a:p>
             <a:endParaRPr lang="en-US" altLang="ko-KR" sz="3200" dirty="0">
               <a:latin typeface="나눔바른고딕 Light" panose="020B0603020101020101" pitchFamily="50" charset="-127"/>
               <a:ea typeface="나눔바른고딕 Light" panose="020B0603020101020101" pitchFamily="50" charset="-127"/>
             </a:endParaRPr>
-          </a:p>
-          <a:p>
-            <a:r>
-              <a:rPr lang="en-US" altLang="ko-KR" sz="3200" dirty="0">
-                <a:latin typeface="나눔바른고딕 Light" panose="020B0603020101020101" pitchFamily="50" charset="-127"/>
-                <a:ea typeface="나눔바른고딕 Light" panose="020B0603020101020101" pitchFamily="50" charset="-127"/>
-              </a:rPr>
-              <a:t>: </a:t>
-            </a:r>
-            <a:r>
-              <a:rPr lang="ko-KR" altLang="en-US" sz="3200" dirty="0">
-                <a:latin typeface="나눔바른고딕 Light" panose="020B0603020101020101" pitchFamily="50" charset="-127"/>
-                <a:ea typeface="나눔바른고딕 Light" panose="020B0603020101020101" pitchFamily="50" charset="-127"/>
-              </a:rPr>
-              <a:t>함수를 변수처럼 사용하자</a:t>
-            </a:r>
-            <a:r>
-              <a:rPr lang="en-US" altLang="ko-KR" sz="3200" dirty="0">
-                <a:latin typeface="나눔바른고딕 Light" panose="020B0603020101020101" pitchFamily="50" charset="-127"/>
-                <a:ea typeface="나눔바른고딕 Light" panose="020B0603020101020101" pitchFamily="50" charset="-127"/>
-              </a:rPr>
-              <a:t>!</a:t>
-            </a:r>
           </a:p>
           <a:p>
             <a:r>
@@ -9548,7 +9630,7 @@
         <p:spPr>
           <a:xfrm>
             <a:off x="1568367" y="1693888"/>
-            <a:ext cx="9736942" cy="3046988"/>
+            <a:ext cx="9736942" cy="4524315"/>
           </a:xfrm>
           <a:prstGeom prst="rect">
             <a:avLst/>
@@ -9672,6 +9754,32 @@
                 <a:ea typeface="나눔바른고딕 Light" panose="020B0603020101020101" pitchFamily="50" charset="-127"/>
               </a:rPr>
               <a:t>생성</a:t>
+            </a:r>
+            <a:endParaRPr lang="en-US" altLang="ko-KR" sz="3200" dirty="0">
+              <a:latin typeface="나눔바른고딕 Light" panose="020B0603020101020101" pitchFamily="50" charset="-127"/>
+              <a:ea typeface="나눔바른고딕 Light" panose="020B0603020101020101" pitchFamily="50" charset="-127"/>
+            </a:endParaRPr>
+          </a:p>
+          <a:p>
+            <a:endParaRPr lang="en-US" altLang="ko-KR" sz="3200" dirty="0">
+              <a:latin typeface="나눔바른고딕 Light" panose="020B0603020101020101" pitchFamily="50" charset="-127"/>
+              <a:ea typeface="나눔바른고딕 Light" panose="020B0603020101020101" pitchFamily="50" charset="-127"/>
+            </a:endParaRPr>
+          </a:p>
+          <a:p>
+            <a:r>
+              <a:rPr lang="en-US" altLang="ko-KR" sz="3200" dirty="0">
+                <a:latin typeface="나눔바른고딕 Light" panose="020B0603020101020101" pitchFamily="50" charset="-127"/>
+                <a:ea typeface="나눔바른고딕 Light" panose="020B0603020101020101" pitchFamily="50" charset="-127"/>
+              </a:rPr>
+              <a:t>* </a:t>
+            </a:r>
+            <a:r>
+              <a:rPr lang="ko-KR" altLang="en-US" sz="3200" dirty="0">
+                <a:latin typeface="나눔바른고딕 Light" panose="020B0603020101020101" pitchFamily="50" charset="-127"/>
+                <a:ea typeface="나눔바른고딕 Light" panose="020B0603020101020101" pitchFamily="50" charset="-127"/>
+              </a:rPr>
+              <a:t>클래스 없이도 정의가 가능하도록 메서드를 하나의 식으로 표현</a:t>
             </a:r>
             <a:endParaRPr lang="en-US" altLang="ko-KR" sz="3200" dirty="0">
               <a:latin typeface="나눔바른고딕 Light" panose="020B0603020101020101" pitchFamily="50" charset="-127"/>
@@ -9975,6 +10083,93 @@
       </p:sp>
       <p:sp>
         <p:nvSpPr>
+          <p:cNvPr id="9" name="직사각형 8">
+            <a:extLst>
+              <a:ext uri="{FF2B5EF4-FFF2-40B4-BE49-F238E27FC236}">
+                <a16:creationId xmlns:a16="http://schemas.microsoft.com/office/drawing/2014/main" id="{4C830C20-1EDF-4A95-8FCC-87A6B7467B1D}"/>
+              </a:ext>
+            </a:extLst>
+          </p:cNvPr>
+          <p:cNvSpPr/>
+          <p:nvPr/>
+        </p:nvSpPr>
+        <p:spPr>
+          <a:xfrm>
+            <a:off x="5530788" y="1306783"/>
+            <a:ext cx="1371736" cy="369332"/>
+          </a:xfrm>
+          <a:prstGeom prst="rect">
+            <a:avLst/>
+          </a:prstGeom>
+        </p:spPr>
+        <p:txBody>
+          <a:bodyPr wrap="square">
+            <a:spAutoFit/>
+          </a:bodyPr>
+          <a:lstStyle/>
+          <a:p>
+            <a:r>
+              <a:rPr lang="en-US" altLang="ko-KR" dirty="0">
+                <a:solidFill>
+                  <a:schemeClr val="accent5">
+                    <a:lumMod val="75000"/>
+                  </a:schemeClr>
+                </a:solidFill>
+                <a:effectLst>
+                  <a:outerShdw blurRad="38100" dist="38100" dir="2700000" algn="tl">
+                    <a:srgbClr val="000000">
+                      <a:alpha val="43137"/>
+                    </a:srgbClr>
+                  </a:outerShdw>
+                </a:effectLst>
+                <a:latin typeface="나눔바른고딕 Light" panose="020B0603020101020101" pitchFamily="50" charset="-127"/>
+                <a:ea typeface="나눔바른고딕 Light" panose="020B0603020101020101" pitchFamily="50" charset="-127"/>
+              </a:rPr>
+              <a:t>[</a:t>
+            </a:r>
+            <a:r>
+              <a:rPr lang="ko-KR" altLang="en-US" dirty="0">
+                <a:solidFill>
+                  <a:schemeClr val="accent5">
+                    <a:lumMod val="75000"/>
+                  </a:schemeClr>
+                </a:solidFill>
+                <a:effectLst>
+                  <a:outerShdw blurRad="38100" dist="38100" dir="2700000" algn="tl">
+                    <a:srgbClr val="000000">
+                      <a:alpha val="43137"/>
+                    </a:srgbClr>
+                  </a:outerShdw>
+                </a:effectLst>
+                <a:latin typeface="나눔바른고딕 Light" panose="020B0603020101020101" pitchFamily="50" charset="-127"/>
+                <a:ea typeface="나눔바른고딕 Light" panose="020B0603020101020101" pitchFamily="50" charset="-127"/>
+              </a:rPr>
+              <a:t>실행결과</a:t>
+            </a:r>
+            <a:r>
+              <a:rPr lang="en-US" altLang="ko-KR" dirty="0">
+                <a:solidFill>
+                  <a:schemeClr val="accent5">
+                    <a:lumMod val="75000"/>
+                  </a:schemeClr>
+                </a:solidFill>
+                <a:effectLst>
+                  <a:outerShdw blurRad="38100" dist="38100" dir="2700000" algn="tl">
+                    <a:srgbClr val="000000">
+                      <a:alpha val="43137"/>
+                    </a:srgbClr>
+                  </a:outerShdw>
+                </a:effectLst>
+                <a:latin typeface="나눔바른고딕 Light" panose="020B0603020101020101" pitchFamily="50" charset="-127"/>
+                <a:ea typeface="나눔바른고딕 Light" panose="020B0603020101020101" pitchFamily="50" charset="-127"/>
+              </a:rPr>
+              <a:t>?]</a:t>
+            </a:r>
+          </a:p>
+        </p:txBody>
+      </p:sp>
+      <p:sp>
+        <p:nvSpPr>
           <p:cNvPr id="5" name="직사각형 4">
             <a:extLst>
               <a:ext uri="{FF2B5EF4-FFF2-40B4-BE49-F238E27FC236}">
@@ -9987,8 +10182,8 @@
         </p:nvSpPr>
         <p:spPr>
           <a:xfrm>
-            <a:off x="648069" y="1491449"/>
-            <a:ext cx="11144435" cy="5184558"/>
+            <a:off x="648069" y="1306783"/>
+            <a:ext cx="11144435" cy="5369224"/>
           </a:xfrm>
           <a:prstGeom prst="rect">
             <a:avLst/>
@@ -10088,7 +10283,7 @@
                             </p:stCondLst>
                             <p:childTnLst>
                               <p:par>
-                                <p:cTn id="5" presetID="1" presetClass="entr" presetSubtype="0" fill="hold" nodeType="clickEffect">
+                                <p:cTn id="5" presetID="1" presetClass="entr" presetSubtype="0" fill="hold" grpId="0" nodeType="clickEffect">
                                   <p:stCondLst>
                                     <p:cond delay="0"/>
                                   </p:stCondLst>
@@ -10096,6 +10291,51 @@
                                     <p:set>
                                       <p:cBhvr>
                                         <p:cTn id="6" dur="1" fill="hold">
+                                          <p:stCondLst>
+                                            <p:cond delay="0"/>
+                                          </p:stCondLst>
+                                        </p:cTn>
+                                        <p:tgtEl>
+                                          <p:spTgt spid="9"/>
+                                        </p:tgtEl>
+                                        <p:attrNameLst>
+                                          <p:attrName>style.visibility</p:attrName>
+                                        </p:attrNameLst>
+                                      </p:cBhvr>
+                                      <p:to>
+                                        <p:strVal val="visible"/>
+                                      </p:to>
+                                    </p:set>
+                                  </p:childTnLst>
+                                </p:cTn>
+                              </p:par>
+                            </p:childTnLst>
+                          </p:cTn>
+                        </p:par>
+                      </p:childTnLst>
+                    </p:cTn>
+                  </p:par>
+                  <p:par>
+                    <p:cTn id="7" fill="hold">
+                      <p:stCondLst>
+                        <p:cond delay="indefinite"/>
+                      </p:stCondLst>
+                      <p:childTnLst>
+                        <p:par>
+                          <p:cTn id="8" fill="hold">
+                            <p:stCondLst>
+                              <p:cond delay="0"/>
+                            </p:stCondLst>
+                            <p:childTnLst>
+                              <p:par>
+                                <p:cTn id="9" presetID="1" presetClass="entr" presetSubtype="0" fill="hold" nodeType="clickEffect">
+                                  <p:stCondLst>
+                                    <p:cond delay="0"/>
+                                  </p:stCondLst>
+                                  <p:childTnLst>
+                                    <p:set>
+                                      <p:cBhvr>
+                                        <p:cTn id="10" dur="1" fill="hold">
                                           <p:stCondLst>
                                             <p:cond delay="0"/>
                                           </p:stCondLst>
@@ -10115,14 +10355,14 @@
                                 </p:cTn>
                               </p:par>
                               <p:par>
-                                <p:cTn id="7" presetID="1" presetClass="entr" presetSubtype="0" fill="hold" grpId="0" nodeType="withEffect">
+                                <p:cTn id="11" presetID="1" presetClass="entr" presetSubtype="0" fill="hold" grpId="0" nodeType="withEffect">
                                   <p:stCondLst>
                                     <p:cond delay="0"/>
                                   </p:stCondLst>
                                   <p:childTnLst>
                                     <p:set>
                                       <p:cBhvr>
-                                        <p:cTn id="8" dur="1" fill="hold">
+                                        <p:cTn id="12" dur="1" fill="hold">
                                           <p:stCondLst>
                                             <p:cond delay="0"/>
                                           </p:stCondLst>
@@ -10169,6 +10409,7 @@
       </p:par>
     </p:tnLst>
     <p:bldLst>
+      <p:bldP spid="9" grpId="0"/>
       <p:bldP spid="5" grpId="0" animBg="1"/>
     </p:bldLst>
   </p:timing>
@@ -10214,8 +10455,8 @@
         </p:blipFill>
         <p:spPr>
           <a:xfrm>
-            <a:off x="1224447" y="1662458"/>
-            <a:ext cx="6909624" cy="4464000"/>
+            <a:off x="1287261" y="1615736"/>
+            <a:ext cx="7031115" cy="4510722"/>
           </a:xfrm>
           <a:prstGeom prst="rect">
             <a:avLst/>
@@ -10252,6 +10493,58 @@
           </a:prstGeom>
         </p:spPr>
       </p:pic>
+      <p:sp>
+        <p:nvSpPr>
+          <p:cNvPr id="5" name="직사각형 4">
+            <a:extLst>
+              <a:ext uri="{FF2B5EF4-FFF2-40B4-BE49-F238E27FC236}">
+                <a16:creationId xmlns:a16="http://schemas.microsoft.com/office/drawing/2014/main" id="{A3C421AA-5B8A-42CF-BC80-8C34B2398935}"/>
+              </a:ext>
+            </a:extLst>
+          </p:cNvPr>
+          <p:cNvSpPr/>
+          <p:nvPr/>
+        </p:nvSpPr>
+        <p:spPr>
+          <a:xfrm>
+            <a:off x="1764301" y="4049485"/>
+            <a:ext cx="3554148" cy="1427583"/>
+          </a:xfrm>
+          <a:prstGeom prst="rect">
+            <a:avLst/>
+          </a:prstGeom>
+          <a:noFill/>
+          <a:ln w="76200">
+            <a:solidFill>
+              <a:srgbClr val="FF0000"/>
+            </a:solidFill>
+          </a:ln>
+        </p:spPr>
+        <p:style>
+          <a:lnRef idx="2">
+            <a:schemeClr val="accent1">
+              <a:shade val="50000"/>
+            </a:schemeClr>
+          </a:lnRef>
+          <a:fillRef idx="1">
+            <a:schemeClr val="accent1"/>
+          </a:fillRef>
+          <a:effectRef idx="0">
+            <a:schemeClr val="accent1"/>
+          </a:effectRef>
+          <a:fontRef idx="minor">
+            <a:schemeClr val="lt1"/>
+          </a:fontRef>
+        </p:style>
+        <p:txBody>
+          <a:bodyPr rtlCol="0" anchor="ctr"/>
+          <a:lstStyle/>
+          <a:p>
+            <a:pPr algn="ctr"/>
+            <a:endParaRPr lang="ko-KR" altLang="en-US" dirty="0"/>
+          </a:p>
+        </p:txBody>
+      </p:sp>
       <p:sp>
         <p:nvSpPr>
           <p:cNvPr id="3" name="직사각형 2">
@@ -11290,7 +11583,111 @@
         <p:spPr>
           <a:xfrm>
             <a:off x="1447060" y="1402672"/>
-            <a:ext cx="3400148" cy="523783"/>
+            <a:ext cx="3302222" cy="416797"/>
+          </a:xfrm>
+          <a:prstGeom prst="rect">
+            <a:avLst/>
+          </a:prstGeom>
+          <a:noFill/>
+          <a:ln w="76200">
+            <a:solidFill>
+              <a:srgbClr val="FF0000"/>
+            </a:solidFill>
+          </a:ln>
+        </p:spPr>
+        <p:style>
+          <a:lnRef idx="2">
+            <a:schemeClr val="accent1">
+              <a:shade val="50000"/>
+            </a:schemeClr>
+          </a:lnRef>
+          <a:fillRef idx="1">
+            <a:schemeClr val="accent1"/>
+          </a:fillRef>
+          <a:effectRef idx="0">
+            <a:schemeClr val="accent1"/>
+          </a:effectRef>
+          <a:fontRef idx="minor">
+            <a:schemeClr val="lt1"/>
+          </a:fontRef>
+        </p:style>
+        <p:txBody>
+          <a:bodyPr rtlCol="0" anchor="ctr"/>
+          <a:lstStyle/>
+          <a:p>
+            <a:pPr algn="ctr"/>
+            <a:endParaRPr lang="ko-KR" altLang="en-US" dirty="0"/>
+          </a:p>
+        </p:txBody>
+      </p:sp>
+      <p:sp>
+        <p:nvSpPr>
+          <p:cNvPr id="7" name="직사각형 6">
+            <a:extLst>
+              <a:ext uri="{FF2B5EF4-FFF2-40B4-BE49-F238E27FC236}">
+                <a16:creationId xmlns:a16="http://schemas.microsoft.com/office/drawing/2014/main" id="{E53E1AB2-6882-4ED6-9128-099BFAEA9154}"/>
+              </a:ext>
+            </a:extLst>
+          </p:cNvPr>
+          <p:cNvSpPr/>
+          <p:nvPr/>
+        </p:nvSpPr>
+        <p:spPr>
+          <a:xfrm>
+            <a:off x="2588505" y="1819469"/>
+            <a:ext cx="1572948" cy="416797"/>
+          </a:xfrm>
+          <a:prstGeom prst="rect">
+            <a:avLst/>
+          </a:prstGeom>
+          <a:noFill/>
+          <a:ln w="76200">
+            <a:solidFill>
+              <a:srgbClr val="FF0000"/>
+            </a:solidFill>
+          </a:ln>
+        </p:spPr>
+        <p:style>
+          <a:lnRef idx="2">
+            <a:schemeClr val="accent1">
+              <a:shade val="50000"/>
+            </a:schemeClr>
+          </a:lnRef>
+          <a:fillRef idx="1">
+            <a:schemeClr val="accent1"/>
+          </a:fillRef>
+          <a:effectRef idx="0">
+            <a:schemeClr val="accent1"/>
+          </a:effectRef>
+          <a:fontRef idx="minor">
+            <a:schemeClr val="lt1"/>
+          </a:fontRef>
+        </p:style>
+        <p:txBody>
+          <a:bodyPr rtlCol="0" anchor="ctr"/>
+          <a:lstStyle/>
+          <a:p>
+            <a:pPr algn="ctr"/>
+            <a:endParaRPr lang="ko-KR" altLang="en-US" dirty="0"/>
+          </a:p>
+        </p:txBody>
+      </p:sp>
+      <p:sp>
+        <p:nvSpPr>
+          <p:cNvPr id="8" name="직사각형 7">
+            <a:extLst>
+              <a:ext uri="{FF2B5EF4-FFF2-40B4-BE49-F238E27FC236}">
+                <a16:creationId xmlns:a16="http://schemas.microsoft.com/office/drawing/2014/main" id="{25D489C6-D8FA-49F0-A903-F65926667DB2}"/>
+              </a:ext>
+            </a:extLst>
+          </p:cNvPr>
+          <p:cNvSpPr/>
+          <p:nvPr/>
+        </p:nvSpPr>
+        <p:spPr>
+          <a:xfrm>
+            <a:off x="2106423" y="3855957"/>
+            <a:ext cx="7728042" cy="416797"/>
           </a:xfrm>
           <a:prstGeom prst="rect">
             <a:avLst/>

--- a/4주차/4.4 신지혜 발표자료.pptx
+++ b/4주차/4.4 신지혜 발표자료.pptx
@@ -9421,7 +9421,7 @@
         <p:spPr>
           <a:xfrm>
             <a:off x="2233534" y="2151727"/>
-            <a:ext cx="7983486" cy="2554545"/>
+            <a:ext cx="7983486" cy="3539430"/>
           </a:xfrm>
           <a:prstGeom prst="rect">
             <a:avLst/>
@@ -9551,6 +9551,26 @@
             </a:endParaRPr>
           </a:p>
           <a:p>
+            <a:endParaRPr lang="en-US" altLang="ko-KR" sz="3200" dirty="0">
+              <a:latin typeface="나눔바른고딕 Light" panose="020B0603020101020101" pitchFamily="50" charset="-127"/>
+              <a:ea typeface="나눔바른고딕 Light" panose="020B0603020101020101" pitchFamily="50" charset="-127"/>
+            </a:endParaRPr>
+          </a:p>
+          <a:p>
+            <a:r>
+              <a:rPr lang="en-US" altLang="ko-KR" sz="3200" dirty="0">
+                <a:latin typeface="나눔바른고딕 Light" panose="020B0603020101020101" pitchFamily="50" charset="-127"/>
+                <a:ea typeface="나눔바른고딕 Light" panose="020B0603020101020101" pitchFamily="50" charset="-127"/>
+              </a:rPr>
+              <a:t>: </a:t>
+            </a:r>
+            <a:r>
+              <a:rPr lang="ko-KR" altLang="en-US" sz="3200" dirty="0">
+                <a:latin typeface="나눔바른고딕 Light" panose="020B0603020101020101" pitchFamily="50" charset="-127"/>
+                <a:ea typeface="나눔바른고딕 Light" panose="020B0603020101020101" pitchFamily="50" charset="-127"/>
+              </a:rPr>
+              <a:t>클래스 없이도 정의가 가능하도록 메서드를 하나의 식으로 표현</a:t>
+            </a:r>
             <a:endParaRPr lang="en-US" altLang="ko-KR" sz="3200" dirty="0">
               <a:latin typeface="나눔바른고딕 Light" panose="020B0603020101020101" pitchFamily="50" charset="-127"/>
               <a:ea typeface="나눔바른고딕 Light" panose="020B0603020101020101" pitchFamily="50" charset="-127"/>
@@ -9630,7 +9650,7 @@
         <p:spPr>
           <a:xfrm>
             <a:off x="1568367" y="1693888"/>
-            <a:ext cx="9736942" cy="4524315"/>
+            <a:ext cx="9736942" cy="3046988"/>
           </a:xfrm>
           <a:prstGeom prst="rect">
             <a:avLst/>
@@ -9754,32 +9774,6 @@
                 <a:ea typeface="나눔바른고딕 Light" panose="020B0603020101020101" pitchFamily="50" charset="-127"/>
               </a:rPr>
               <a:t>생성</a:t>
-            </a:r>
-            <a:endParaRPr lang="en-US" altLang="ko-KR" sz="3200" dirty="0">
-              <a:latin typeface="나눔바른고딕 Light" panose="020B0603020101020101" pitchFamily="50" charset="-127"/>
-              <a:ea typeface="나눔바른고딕 Light" panose="020B0603020101020101" pitchFamily="50" charset="-127"/>
-            </a:endParaRPr>
-          </a:p>
-          <a:p>
-            <a:endParaRPr lang="en-US" altLang="ko-KR" sz="3200" dirty="0">
-              <a:latin typeface="나눔바른고딕 Light" panose="020B0603020101020101" pitchFamily="50" charset="-127"/>
-              <a:ea typeface="나눔바른고딕 Light" panose="020B0603020101020101" pitchFamily="50" charset="-127"/>
-            </a:endParaRPr>
-          </a:p>
-          <a:p>
-            <a:r>
-              <a:rPr lang="en-US" altLang="ko-KR" sz="3200" dirty="0">
-                <a:latin typeface="나눔바른고딕 Light" panose="020B0603020101020101" pitchFamily="50" charset="-127"/>
-                <a:ea typeface="나눔바른고딕 Light" panose="020B0603020101020101" pitchFamily="50" charset="-127"/>
-              </a:rPr>
-              <a:t>* </a:t>
-            </a:r>
-            <a:r>
-              <a:rPr lang="ko-KR" altLang="en-US" sz="3200" dirty="0">
-                <a:latin typeface="나눔바른고딕 Light" panose="020B0603020101020101" pitchFamily="50" charset="-127"/>
-                <a:ea typeface="나눔바른고딕 Light" panose="020B0603020101020101" pitchFamily="50" charset="-127"/>
-              </a:rPr>
-              <a:t>클래스 없이도 정의가 가능하도록 메서드를 하나의 식으로 표현</a:t>
             </a:r>
             <a:endParaRPr lang="en-US" altLang="ko-KR" sz="3200" dirty="0">
               <a:latin typeface="나눔바른고딕 Light" panose="020B0603020101020101" pitchFamily="50" charset="-127"/>
